--- a/Халвичка/Power Point/Презентация3.pptx
+++ b/Халвичка/Power Point/Презентация3.pptx
@@ -5,10 +5,11 @@
     <p:sldMasterId id="2147483648" r:id="rId1"/>
   </p:sldMasterIdLst>
   <p:notesMasterIdLst>
-    <p:notesMasterId r:id="rId3"/>
+    <p:notesMasterId r:id="rId4"/>
   </p:notesMasterIdLst>
   <p:sldIdLst>
     <p:sldId id="256" r:id="rId2"/>
+    <p:sldId id="257" r:id="rId3"/>
   </p:sldIdLst>
   <p:sldSz cx="12192000" cy="6858000"/>
   <p:notesSz cx="6858000" cy="9144000"/>
@@ -107,6 +108,11 @@
       </a:defRPr>
     </a:lvl9pPr>
   </p:defaultTextStyle>
+  <p:extLst>
+    <p:ext uri="{EFAFB233-063F-42B5-8137-9DF3F51BA10A}">
+      <p15:sldGuideLst xmlns:p15="http://schemas.microsoft.com/office/powerpoint/2012/main"/>
+    </p:ext>
+  </p:extLst>
 </p:presentation>
 </file>
 
@@ -120,6 +126,74 @@
     </p:extLst>
   </p:cmAuthor>
 </p:cmAuthorLst>
+</file>
+
+<file path=ppt/changesInfos/changesInfo1.xml><?xml version="1.0" encoding="utf-8"?>
+<pc:chgInfo xmlns:a="http://schemas.openxmlformats.org/drawingml/2006/main" xmlns:r="http://schemas.openxmlformats.org/officeDocument/2006/relationships" xmlns:ac="http://schemas.microsoft.com/office/drawing/2013/main/command" xmlns:pc="http://schemas.microsoft.com/office/powerpoint/2013/main/command">
+  <pc:docChgLst>
+    <pc:chgData name="Руслан Пшуков" userId="faed988482fd9ce1" providerId="LiveId" clId="{5ECA6542-B6C2-44D9-9851-FD2B72C71110}"/>
+    <pc:docChg chg="custSel addSld modSld sldOrd">
+      <pc:chgData name="Руслан Пшуков" userId="faed988482fd9ce1" providerId="LiveId" clId="{5ECA6542-B6C2-44D9-9851-FD2B72C71110}" dt="2023-10-25T19:53:41.691" v="40" actId="1076"/>
+      <pc:docMkLst>
+        <pc:docMk/>
+      </pc:docMkLst>
+      <pc:sldChg chg="modSp mod">
+        <pc:chgData name="Руслан Пшуков" userId="faed988482fd9ce1" providerId="LiveId" clId="{5ECA6542-B6C2-44D9-9851-FD2B72C71110}" dt="2023-10-25T19:50:32.143" v="7" actId="404"/>
+        <pc:sldMkLst>
+          <pc:docMk/>
+          <pc:sldMk cId="911204973" sldId="256"/>
+        </pc:sldMkLst>
+        <pc:spChg chg="mod">
+          <ac:chgData name="Руслан Пшуков" userId="faed988482fd9ce1" providerId="LiveId" clId="{5ECA6542-B6C2-44D9-9851-FD2B72C71110}" dt="2023-10-25T19:50:32.143" v="7" actId="404"/>
+          <ac:spMkLst>
+            <pc:docMk/>
+            <pc:sldMk cId="911204973" sldId="256"/>
+            <ac:spMk id="5" creationId="{B13B5258-6687-4C3D-B86E-45B4FB3FEB35}"/>
+          </ac:spMkLst>
+        </pc:spChg>
+        <pc:spChg chg="mod">
+          <ac:chgData name="Руслан Пшуков" userId="faed988482fd9ce1" providerId="LiveId" clId="{5ECA6542-B6C2-44D9-9851-FD2B72C71110}" dt="2023-10-25T19:50:27.710" v="6" actId="404"/>
+          <ac:spMkLst>
+            <pc:docMk/>
+            <pc:sldMk cId="911204973" sldId="256"/>
+            <ac:spMk id="7" creationId="{37103EC1-5D02-4065-96C8-A8ED5F4974FF}"/>
+          </ac:spMkLst>
+        </pc:spChg>
+        <pc:spChg chg="mod">
+          <ac:chgData name="Руслан Пшуков" userId="faed988482fd9ce1" providerId="LiveId" clId="{5ECA6542-B6C2-44D9-9851-FD2B72C71110}" dt="2023-10-25T19:50:12.062" v="1" actId="1076"/>
+          <ac:spMkLst>
+            <pc:docMk/>
+            <pc:sldMk cId="911204973" sldId="256"/>
+            <ac:spMk id="8" creationId="{183AC465-CAF3-471B-8972-02C8A1C16170}"/>
+          </ac:spMkLst>
+        </pc:spChg>
+      </pc:sldChg>
+      <pc:sldChg chg="delSp modSp new mod ord">
+        <pc:chgData name="Руслан Пшуков" userId="faed988482fd9ce1" providerId="LiveId" clId="{5ECA6542-B6C2-44D9-9851-FD2B72C71110}" dt="2023-10-25T19:53:41.691" v="40" actId="1076"/>
+        <pc:sldMkLst>
+          <pc:docMk/>
+          <pc:sldMk cId="2621937171" sldId="257"/>
+        </pc:sldMkLst>
+        <pc:spChg chg="mod">
+          <ac:chgData name="Руслан Пшуков" userId="faed988482fd9ce1" providerId="LiveId" clId="{5ECA6542-B6C2-44D9-9851-FD2B72C71110}" dt="2023-10-25T19:53:41.691" v="40" actId="1076"/>
+          <ac:spMkLst>
+            <pc:docMk/>
+            <pc:sldMk cId="2621937171" sldId="257"/>
+            <ac:spMk id="2" creationId="{3E8DEE63-B2CC-4FE4-B6F9-C802BFB60C8A}"/>
+          </ac:spMkLst>
+        </pc:spChg>
+        <pc:spChg chg="del mod">
+          <ac:chgData name="Руслан Пшуков" userId="faed988482fd9ce1" providerId="LiveId" clId="{5ECA6542-B6C2-44D9-9851-FD2B72C71110}" dt="2023-10-25T19:51:07.992" v="39" actId="478"/>
+          <ac:spMkLst>
+            <pc:docMk/>
+            <pc:sldMk cId="2621937171" sldId="257"/>
+            <ac:spMk id="3" creationId="{8026E862-DF6C-4B5F-817C-1BEE11D56E64}"/>
+          </ac:spMkLst>
+        </pc:spChg>
+      </pc:sldChg>
+    </pc:docChg>
+  </pc:docChgLst>
+</pc:chgInfo>
 </file>
 
 <file path=ppt/notesMasters/notesMaster1.xml><?xml version="1.0" encoding="utf-8"?>
@@ -3738,7 +3812,7 @@
         <p:spPr>
           <a:xfrm>
             <a:off x="6308333" y="2272404"/>
-            <a:ext cx="5681610" cy="2431435"/>
+            <a:ext cx="5681610" cy="2246769"/>
           </a:xfrm>
           <a:prstGeom prst="rect">
             <a:avLst/>
@@ -3753,106 +3827,106 @@
           <a:p>
             <a:pPr algn="r"/>
             <a:r>
-              <a:rPr lang="ru-RU" sz="3200" b="1" dirty="0"/>
+              <a:rPr lang="ru-RU" sz="2800" b="1" dirty="0"/>
               <a:t>Выполнили</a:t>
             </a:r>
             <a:r>
-              <a:rPr lang="en-GB" sz="3200" b="1" dirty="0"/>
+              <a:rPr lang="en-GB" sz="2800" b="1" dirty="0"/>
               <a:t>:</a:t>
             </a:r>
           </a:p>
           <a:p>
             <a:pPr algn="r"/>
             <a:r>
-              <a:rPr lang="ru-RU" sz="2000" dirty="0"/>
+              <a:rPr lang="ru-RU" dirty="0"/>
               <a:t>студены 1 курса бакалавриата 7 группы</a:t>
             </a:r>
           </a:p>
           <a:p>
             <a:pPr algn="r"/>
             <a:r>
-              <a:rPr lang="ru-RU" sz="2000" dirty="0"/>
+              <a:rPr lang="ru-RU" dirty="0"/>
               <a:t>Ефименко К</a:t>
             </a:r>
             <a:r>
-              <a:rPr lang="en-GB" sz="2000" dirty="0"/>
+              <a:rPr lang="en-GB" dirty="0"/>
               <a:t>.</a:t>
             </a:r>
             <a:r>
-              <a:rPr lang="ru-RU" sz="2000" dirty="0"/>
+              <a:rPr lang="ru-RU" dirty="0"/>
               <a:t>А.</a:t>
             </a:r>
           </a:p>
           <a:p>
             <a:pPr algn="r"/>
             <a:r>
-              <a:rPr lang="ru-RU" sz="2000" dirty="0"/>
+              <a:rPr lang="ru-RU" dirty="0"/>
               <a:t>Игонин А</a:t>
             </a:r>
             <a:r>
-              <a:rPr lang="en-GB" sz="2000" dirty="0"/>
+              <a:rPr lang="en-GB" dirty="0"/>
               <a:t>.</a:t>
             </a:r>
             <a:r>
-              <a:rPr lang="ru-RU" sz="2000" dirty="0"/>
+              <a:rPr lang="ru-RU" dirty="0"/>
               <a:t>М.</a:t>
             </a:r>
           </a:p>
           <a:p>
             <a:pPr algn="r"/>
             <a:r>
-              <a:rPr lang="ru-RU" sz="2000" dirty="0"/>
+              <a:rPr lang="ru-RU" dirty="0"/>
               <a:t>Карцева М</a:t>
             </a:r>
             <a:r>
-              <a:rPr lang="en-GB" sz="2000" dirty="0"/>
+              <a:rPr lang="en-GB" dirty="0"/>
               <a:t>.</a:t>
             </a:r>
             <a:r>
-              <a:rPr lang="ru-RU" sz="2000" dirty="0"/>
+              <a:rPr lang="ru-RU" dirty="0"/>
               <a:t>А</a:t>
             </a:r>
             <a:r>
-              <a:rPr lang="en-US" sz="2000" dirty="0"/>
+              <a:rPr lang="en-US" dirty="0"/>
               <a:t>.</a:t>
             </a:r>
+            <a:endParaRPr lang="ru-RU" dirty="0"/>
+          </a:p>
+          <a:p>
+            <a:pPr algn="r"/>
+            <a:r>
+              <a:rPr lang="ru-RU" dirty="0"/>
+              <a:t>Пшуков Р</a:t>
+            </a:r>
+            <a:r>
+              <a:rPr lang="en-US" dirty="0"/>
+              <a:t>.</a:t>
+            </a:r>
+            <a:r>
+              <a:rPr lang="ru-RU" dirty="0"/>
+              <a:t>А</a:t>
+            </a:r>
+            <a:r>
+              <a:rPr lang="en-US" dirty="0"/>
+              <a:t>.</a:t>
+            </a:r>
+            <a:endParaRPr lang="ru-RU" dirty="0"/>
+          </a:p>
+          <a:p>
+            <a:pPr algn="r"/>
+            <a:r>
+              <a:rPr lang="ru-RU" dirty="0"/>
+              <a:t>Ручка М</a:t>
+            </a:r>
+            <a:r>
+              <a:rPr lang="en-US" dirty="0"/>
+              <a:t>.</a:t>
+            </a:r>
+            <a:r>
+              <a:rPr lang="ru-RU" dirty="0"/>
+              <a:t>И. </a:t>
+            </a:r>
             <a:endParaRPr lang="ru-RU" sz="2000" dirty="0"/>
-          </a:p>
-          <a:p>
-            <a:pPr algn="r"/>
-            <a:r>
-              <a:rPr lang="ru-RU" sz="2000" dirty="0"/>
-              <a:t>Пшуков Р</a:t>
-            </a:r>
-            <a:r>
-              <a:rPr lang="en-US" sz="2000" dirty="0"/>
-              <a:t>.</a:t>
-            </a:r>
-            <a:r>
-              <a:rPr lang="ru-RU" sz="2000" dirty="0"/>
-              <a:t>А</a:t>
-            </a:r>
-            <a:r>
-              <a:rPr lang="en-US" sz="2000" dirty="0"/>
-              <a:t>.</a:t>
-            </a:r>
-            <a:endParaRPr lang="ru-RU" sz="2000" dirty="0"/>
-          </a:p>
-          <a:p>
-            <a:pPr algn="r"/>
-            <a:r>
-              <a:rPr lang="ru-RU" sz="2000" dirty="0"/>
-              <a:t>Ручка М</a:t>
-            </a:r>
-            <a:r>
-              <a:rPr lang="en-US" sz="2000" dirty="0"/>
-              <a:t>.</a:t>
-            </a:r>
-            <a:r>
-              <a:rPr lang="ru-RU" sz="2000" dirty="0"/>
-              <a:t>И. </a:t>
-            </a:r>
-            <a:endParaRPr lang="ru-RU" sz="2400" dirty="0"/>
           </a:p>
         </p:txBody>
       </p:sp>
@@ -3871,7 +3945,7 @@
         <p:spPr>
           <a:xfrm>
             <a:off x="4715838" y="4877873"/>
-            <a:ext cx="7274105" cy="1200329"/>
+            <a:ext cx="7274105" cy="1138773"/>
           </a:xfrm>
           <a:prstGeom prst="rect">
             <a:avLst/>
@@ -3886,14 +3960,14 @@
           <a:p>
             <a:pPr algn="r"/>
             <a:r>
-              <a:rPr lang="ru-RU" sz="3200" b="1" dirty="0"/>
+              <a:rPr lang="ru-RU" sz="2800" b="1" dirty="0"/>
               <a:t>Проверила</a:t>
             </a:r>
             <a:r>
-              <a:rPr lang="en-GB" sz="3200" b="1" dirty="0"/>
+              <a:rPr lang="en-GB" sz="2800" b="1" dirty="0"/>
               <a:t>:</a:t>
             </a:r>
-            <a:endParaRPr lang="ru-RU" sz="3200" b="1" dirty="0"/>
+            <a:endParaRPr lang="ru-RU" sz="2800" b="1" dirty="0"/>
           </a:p>
           <a:p>
             <a:pPr algn="r"/>
@@ -3902,19 +3976,23 @@
               <a:t> </a:t>
             </a:r>
             <a:r>
+              <a:rPr lang="ru-RU" dirty="0"/>
+              <a:t>заведующая кафедры прикладной информатики и инноватики</a:t>
+            </a:r>
+          </a:p>
+          <a:p>
+            <a:pPr algn="r"/>
+            <a:r>
+              <a:rPr lang="ru-RU" dirty="0" err="1"/>
+              <a:t>Глод</a:t>
+            </a:r>
+            <a:r>
+              <a:rPr lang="ru-RU" dirty="0"/>
+              <a:t> О.Д</a:t>
+            </a:r>
+            <a:r>
               <a:rPr lang="ru-RU" sz="2000" dirty="0"/>
-              <a:t>заведующая кафедры прикладной информатики и инноватики</a:t>
-            </a:r>
-          </a:p>
-          <a:p>
-            <a:pPr algn="r"/>
-            <a:r>
-              <a:rPr lang="ru-RU" sz="2000" dirty="0" err="1"/>
-              <a:t>Глод</a:t>
-            </a:r>
-            <a:r>
-              <a:rPr lang="ru-RU" sz="2000" dirty="0"/>
-              <a:t> О.Д.</a:t>
+              <a:t>.</a:t>
             </a:r>
           </a:p>
         </p:txBody>
@@ -3933,7 +4011,7 @@
         </p:nvSpPr>
         <p:spPr>
           <a:xfrm>
-            <a:off x="5080571" y="518248"/>
+            <a:off x="4843949" y="533577"/>
             <a:ext cx="6544638" cy="1446550"/>
           </a:xfrm>
           <a:prstGeom prst="rect">
@@ -4044,6 +4122,125 @@
     <p:extLst>
       <p:ext uri="{BB962C8B-B14F-4D97-AF65-F5344CB8AC3E}">
         <p14:creationId xmlns:p14="http://schemas.microsoft.com/office/powerpoint/2010/main" val="911204973"/>
+      </p:ext>
+    </p:extLst>
+  </p:cSld>
+  <p:clrMapOvr>
+    <a:masterClrMapping/>
+  </p:clrMapOvr>
+</p:sld>
+</file>
+
+<file path=ppt/slides/slide2.xml><?xml version="1.0" encoding="utf-8"?>
+<p:sld xmlns:a="http://schemas.openxmlformats.org/drawingml/2006/main" xmlns:r="http://schemas.openxmlformats.org/officeDocument/2006/relationships" xmlns:p="http://schemas.openxmlformats.org/presentationml/2006/main">
+  <p:cSld>
+    <p:spTree>
+      <p:nvGrpSpPr>
+        <p:cNvPr id="1" name=""/>
+        <p:cNvGrpSpPr/>
+        <p:nvPr/>
+      </p:nvGrpSpPr>
+      <p:grpSpPr>
+        <a:xfrm>
+          <a:off x="0" y="0"/>
+          <a:ext cx="0" cy="0"/>
+          <a:chOff x="0" y="0"/>
+          <a:chExt cx="0" cy="0"/>
+        </a:xfrm>
+      </p:grpSpPr>
+      <p:sp>
+        <p:nvSpPr>
+          <p:cNvPr id="2" name="Заголовок 1">
+            <a:extLst>
+              <a:ext uri="{FF2B5EF4-FFF2-40B4-BE49-F238E27FC236}">
+                <a16:creationId xmlns:a16="http://schemas.microsoft.com/office/drawing/2014/main" id="{3E8DEE63-B2CC-4FE4-B6F9-C802BFB60C8A}"/>
+              </a:ext>
+            </a:extLst>
+          </p:cNvPr>
+          <p:cNvSpPr>
+            <a:spLocks noGrp="1"/>
+          </p:cNvSpPr>
+          <p:nvPr>
+            <p:ph type="title"/>
+          </p:nvPr>
+        </p:nvSpPr>
+        <p:spPr>
+          <a:xfrm>
+            <a:off x="595900" y="365126"/>
+            <a:ext cx="9905144" cy="107486"/>
+          </a:xfrm>
+        </p:spPr>
+        <p:txBody>
+          <a:bodyPr>
+            <a:normAutofit fontScale="90000"/>
+          </a:bodyPr>
+          <a:lstStyle/>
+          <a:p>
+            <a:r>
+              <a:rPr lang="ru-RU" dirty="0"/>
+              <a:t>Участники </a:t>
+            </a:r>
+          </a:p>
+        </p:txBody>
+      </p:sp>
+      <p:sp>
+        <p:nvSpPr>
+          <p:cNvPr id="4" name="Нижний колонтитул 3">
+            <a:extLst>
+              <a:ext uri="{FF2B5EF4-FFF2-40B4-BE49-F238E27FC236}">
+                <a16:creationId xmlns:a16="http://schemas.microsoft.com/office/drawing/2014/main" id="{DB35AF36-14D6-4752-971A-67614EBBE06D}"/>
+              </a:ext>
+            </a:extLst>
+          </p:cNvPr>
+          <p:cNvSpPr>
+            <a:spLocks noGrp="1"/>
+          </p:cNvSpPr>
+          <p:nvPr>
+            <p:ph type="ftr" sz="quarter" idx="11"/>
+          </p:nvPr>
+        </p:nvSpPr>
+        <p:spPr/>
+        <p:txBody>
+          <a:bodyPr/>
+          <a:lstStyle/>
+          <a:p>
+            <a:endParaRPr lang="ru-RU"/>
+          </a:p>
+        </p:txBody>
+      </p:sp>
+      <p:sp>
+        <p:nvSpPr>
+          <p:cNvPr id="5" name="Номер слайда 4">
+            <a:extLst>
+              <a:ext uri="{FF2B5EF4-FFF2-40B4-BE49-F238E27FC236}">
+                <a16:creationId xmlns:a16="http://schemas.microsoft.com/office/drawing/2014/main" id="{CD121445-D15D-4F80-8232-6C3B7F6A11B3}"/>
+              </a:ext>
+            </a:extLst>
+          </p:cNvPr>
+          <p:cNvSpPr>
+            <a:spLocks noGrp="1"/>
+          </p:cNvSpPr>
+          <p:nvPr>
+            <p:ph type="sldNum" sz="quarter" idx="12"/>
+          </p:nvPr>
+        </p:nvSpPr>
+        <p:spPr/>
+        <p:txBody>
+          <a:bodyPr/>
+          <a:lstStyle/>
+          <a:p>
+            <a:fld id="{D6B6AAF8-DCA2-4987-8CBC-202285CB4632}" type="slidenum">
+              <a:rPr lang="ru-RU" smtClean="0"/>
+              <a:t>2</a:t>
+            </a:fld>
+            <a:endParaRPr lang="ru-RU"/>
+          </a:p>
+        </p:txBody>
+      </p:sp>
+    </p:spTree>
+    <p:extLst>
+      <p:ext uri="{BB962C8B-B14F-4D97-AF65-F5344CB8AC3E}">
+        <p14:creationId xmlns:p14="http://schemas.microsoft.com/office/powerpoint/2010/main" val="2621937171"/>
       </p:ext>
     </p:extLst>
   </p:cSld>

--- a/Халвичка/Power Point/Презентация3.pptx
+++ b/Халвичка/Power Point/Презентация3.pptx
@@ -107,6 +107,11 @@
       </a:defRPr>
     </a:lvl9pPr>
   </p:defaultTextStyle>
+  <p:extLst>
+    <p:ext uri="{EFAFB233-063F-42B5-8137-9DF3F51BA10A}">
+      <p15:sldGuideLst xmlns:p15="http://schemas.microsoft.com/office/powerpoint/2012/main"/>
+    </p:ext>
+  </p:extLst>
 </p:presentation>
 </file>
 
@@ -3710,8 +3715,8 @@
         </p:blipFill>
         <p:spPr>
           <a:xfrm>
-            <a:off x="390418" y="132373"/>
-            <a:ext cx="3685316" cy="3664849"/>
+            <a:off x="0" y="-59618"/>
+            <a:ext cx="3085775" cy="3073974"/>
           </a:xfrm>
           <a:prstGeom prst="rect">
             <a:avLst/>
@@ -3737,8 +3742,8 @@
         </p:nvSpPr>
         <p:spPr>
           <a:xfrm>
-            <a:off x="6308333" y="2272404"/>
-            <a:ext cx="5681610" cy="2431435"/>
+            <a:off x="6419170" y="3306025"/>
+            <a:ext cx="5681610" cy="1969770"/>
           </a:xfrm>
           <a:prstGeom prst="rect">
             <a:avLst/>
@@ -3753,106 +3758,175 @@
           <a:p>
             <a:pPr algn="r"/>
             <a:r>
-              <a:rPr lang="ru-RU" sz="3200" b="1" dirty="0"/>
+              <a:rPr lang="ru-RU" sz="2400" b="1" dirty="0">
+                <a:latin typeface="Times New Roman" panose="02020603050405020304" pitchFamily="18" charset="0"/>
+                <a:cs typeface="Times New Roman" panose="02020603050405020304" pitchFamily="18" charset="0"/>
+              </a:rPr>
               <a:t>Выполнили</a:t>
             </a:r>
             <a:r>
-              <a:rPr lang="en-GB" sz="3200" b="1" dirty="0"/>
+              <a:rPr lang="en-GB" sz="2400" b="1" dirty="0">
+                <a:latin typeface="Times New Roman" panose="02020603050405020304" pitchFamily="18" charset="0"/>
+                <a:cs typeface="Times New Roman" panose="02020603050405020304" pitchFamily="18" charset="0"/>
+              </a:rPr>
               <a:t>:</a:t>
             </a:r>
           </a:p>
           <a:p>
             <a:pPr algn="r"/>
             <a:r>
-              <a:rPr lang="ru-RU" sz="2000" dirty="0"/>
+              <a:rPr lang="ru-RU" sz="1600" dirty="0">
+                <a:latin typeface="Times New Roman" panose="02020603050405020304" pitchFamily="18" charset="0"/>
+                <a:cs typeface="Times New Roman" panose="02020603050405020304" pitchFamily="18" charset="0"/>
+              </a:rPr>
               <a:t>студены 1 курса бакалавриата 7 группы</a:t>
             </a:r>
           </a:p>
           <a:p>
             <a:pPr algn="r"/>
             <a:r>
-              <a:rPr lang="ru-RU" sz="2000" dirty="0"/>
+              <a:rPr lang="ru-RU" sz="1600" dirty="0">
+                <a:latin typeface="Times New Roman" panose="02020603050405020304" pitchFamily="18" charset="0"/>
+                <a:cs typeface="Times New Roman" panose="02020603050405020304" pitchFamily="18" charset="0"/>
+              </a:rPr>
               <a:t>Ефименко К</a:t>
             </a:r>
             <a:r>
-              <a:rPr lang="en-GB" sz="2000" dirty="0"/>
+              <a:rPr lang="en-GB" sz="1600" dirty="0">
+                <a:latin typeface="Times New Roman" panose="02020603050405020304" pitchFamily="18" charset="0"/>
+                <a:cs typeface="Times New Roman" panose="02020603050405020304" pitchFamily="18" charset="0"/>
+              </a:rPr>
               <a:t>.</a:t>
             </a:r>
             <a:r>
-              <a:rPr lang="ru-RU" sz="2000" dirty="0"/>
+              <a:rPr lang="ru-RU" sz="1600" dirty="0">
+                <a:latin typeface="Times New Roman" panose="02020603050405020304" pitchFamily="18" charset="0"/>
+                <a:cs typeface="Times New Roman" panose="02020603050405020304" pitchFamily="18" charset="0"/>
+              </a:rPr>
               <a:t>А.</a:t>
             </a:r>
           </a:p>
           <a:p>
             <a:pPr algn="r"/>
             <a:r>
-              <a:rPr lang="ru-RU" sz="2000" dirty="0"/>
+              <a:rPr lang="ru-RU" sz="1600" dirty="0">
+                <a:latin typeface="Times New Roman" panose="02020603050405020304" pitchFamily="18" charset="0"/>
+                <a:cs typeface="Times New Roman" panose="02020603050405020304" pitchFamily="18" charset="0"/>
+              </a:rPr>
               <a:t>Игонин А</a:t>
             </a:r>
             <a:r>
-              <a:rPr lang="en-GB" sz="2000" dirty="0"/>
+              <a:rPr lang="en-GB" sz="1600" dirty="0">
+                <a:latin typeface="Times New Roman" panose="02020603050405020304" pitchFamily="18" charset="0"/>
+                <a:cs typeface="Times New Roman" panose="02020603050405020304" pitchFamily="18" charset="0"/>
+              </a:rPr>
               <a:t>.</a:t>
             </a:r>
             <a:r>
-              <a:rPr lang="ru-RU" sz="2000" dirty="0"/>
+              <a:rPr lang="ru-RU" sz="1600" dirty="0">
+                <a:latin typeface="Times New Roman" panose="02020603050405020304" pitchFamily="18" charset="0"/>
+                <a:cs typeface="Times New Roman" panose="02020603050405020304" pitchFamily="18" charset="0"/>
+              </a:rPr>
               <a:t>М.</a:t>
             </a:r>
           </a:p>
           <a:p>
             <a:pPr algn="r"/>
             <a:r>
-              <a:rPr lang="ru-RU" sz="2000" dirty="0"/>
+              <a:rPr lang="ru-RU" sz="1600" dirty="0">
+                <a:latin typeface="Times New Roman" panose="02020603050405020304" pitchFamily="18" charset="0"/>
+                <a:cs typeface="Times New Roman" panose="02020603050405020304" pitchFamily="18" charset="0"/>
+              </a:rPr>
               <a:t>Карцева М</a:t>
             </a:r>
             <a:r>
-              <a:rPr lang="en-GB" sz="2000" dirty="0"/>
+              <a:rPr lang="en-GB" sz="1600" dirty="0">
+                <a:latin typeface="Times New Roman" panose="02020603050405020304" pitchFamily="18" charset="0"/>
+                <a:cs typeface="Times New Roman" panose="02020603050405020304" pitchFamily="18" charset="0"/>
+              </a:rPr>
               <a:t>.</a:t>
             </a:r>
             <a:r>
-              <a:rPr lang="ru-RU" sz="2000" dirty="0"/>
+              <a:rPr lang="ru-RU" sz="1600" dirty="0">
+                <a:latin typeface="Times New Roman" panose="02020603050405020304" pitchFamily="18" charset="0"/>
+                <a:cs typeface="Times New Roman" panose="02020603050405020304" pitchFamily="18" charset="0"/>
+              </a:rPr>
               <a:t>А</a:t>
             </a:r>
             <a:r>
-              <a:rPr lang="en-US" sz="2000" dirty="0"/>
+              <a:rPr lang="en-US" sz="1600" dirty="0">
+                <a:latin typeface="Times New Roman" panose="02020603050405020304" pitchFamily="18" charset="0"/>
+                <a:cs typeface="Times New Roman" panose="02020603050405020304" pitchFamily="18" charset="0"/>
+              </a:rPr>
               <a:t>.</a:t>
             </a:r>
-            <a:endParaRPr lang="ru-RU" sz="2000" dirty="0"/>
+            <a:endParaRPr lang="ru-RU" sz="1600" dirty="0">
+              <a:latin typeface="Times New Roman" panose="02020603050405020304" pitchFamily="18" charset="0"/>
+              <a:cs typeface="Times New Roman" panose="02020603050405020304" pitchFamily="18" charset="0"/>
+            </a:endParaRPr>
           </a:p>
           <a:p>
             <a:pPr algn="r"/>
             <a:r>
-              <a:rPr lang="ru-RU" sz="2000" dirty="0"/>
+              <a:rPr lang="ru-RU" sz="1600" dirty="0">
+                <a:latin typeface="Times New Roman" panose="02020603050405020304" pitchFamily="18" charset="0"/>
+                <a:cs typeface="Times New Roman" panose="02020603050405020304" pitchFamily="18" charset="0"/>
+              </a:rPr>
               <a:t>Пшуков Р</a:t>
             </a:r>
             <a:r>
-              <a:rPr lang="en-US" sz="2000" dirty="0"/>
+              <a:rPr lang="en-US" sz="1600" dirty="0">
+                <a:latin typeface="Times New Roman" panose="02020603050405020304" pitchFamily="18" charset="0"/>
+                <a:cs typeface="Times New Roman" panose="02020603050405020304" pitchFamily="18" charset="0"/>
+              </a:rPr>
               <a:t>.</a:t>
             </a:r>
             <a:r>
-              <a:rPr lang="ru-RU" sz="2000" dirty="0"/>
+              <a:rPr lang="ru-RU" sz="1600" dirty="0">
+                <a:latin typeface="Times New Roman" panose="02020603050405020304" pitchFamily="18" charset="0"/>
+                <a:cs typeface="Times New Roman" panose="02020603050405020304" pitchFamily="18" charset="0"/>
+              </a:rPr>
               <a:t>А</a:t>
             </a:r>
             <a:r>
-              <a:rPr lang="en-US" sz="2000" dirty="0"/>
+              <a:rPr lang="en-US" sz="1600" dirty="0">
+                <a:latin typeface="Times New Roman" panose="02020603050405020304" pitchFamily="18" charset="0"/>
+                <a:cs typeface="Times New Roman" panose="02020603050405020304" pitchFamily="18" charset="0"/>
+              </a:rPr>
               <a:t>.</a:t>
             </a:r>
-            <a:endParaRPr lang="ru-RU" sz="2000" dirty="0"/>
+            <a:endParaRPr lang="ru-RU" sz="1600" dirty="0">
+              <a:latin typeface="Times New Roman" panose="02020603050405020304" pitchFamily="18" charset="0"/>
+              <a:cs typeface="Times New Roman" panose="02020603050405020304" pitchFamily="18" charset="0"/>
+            </a:endParaRPr>
           </a:p>
           <a:p>
             <a:pPr algn="r"/>
             <a:r>
-              <a:rPr lang="ru-RU" sz="2000" dirty="0"/>
+              <a:rPr lang="ru-RU" sz="1600" dirty="0">
+                <a:latin typeface="Times New Roman" panose="02020603050405020304" pitchFamily="18" charset="0"/>
+                <a:cs typeface="Times New Roman" panose="02020603050405020304" pitchFamily="18" charset="0"/>
+              </a:rPr>
               <a:t>Ручка М</a:t>
             </a:r>
             <a:r>
-              <a:rPr lang="en-US" sz="2000" dirty="0"/>
+              <a:rPr lang="en-US" sz="1600" dirty="0">
+                <a:latin typeface="Times New Roman" panose="02020603050405020304" pitchFamily="18" charset="0"/>
+                <a:cs typeface="Times New Roman" panose="02020603050405020304" pitchFamily="18" charset="0"/>
+              </a:rPr>
               <a:t>.</a:t>
             </a:r>
             <a:r>
-              <a:rPr lang="ru-RU" sz="2000" dirty="0"/>
+              <a:rPr lang="ru-RU" sz="1600" dirty="0">
+                <a:latin typeface="Times New Roman" panose="02020603050405020304" pitchFamily="18" charset="0"/>
+                <a:cs typeface="Times New Roman" panose="02020603050405020304" pitchFamily="18" charset="0"/>
+              </a:rPr>
               <a:t>И. </a:t>
             </a:r>
-            <a:endParaRPr lang="ru-RU" sz="2400" dirty="0"/>
+            <a:endParaRPr lang="ru-RU" dirty="0">
+              <a:latin typeface="Times New Roman" panose="02020603050405020304" pitchFamily="18" charset="0"/>
+              <a:cs typeface="Times New Roman" panose="02020603050405020304" pitchFamily="18" charset="0"/>
+            </a:endParaRPr>
           </a:p>
         </p:txBody>
       </p:sp>
@@ -3870,8 +3944,8 @@
         </p:nvSpPr>
         <p:spPr>
           <a:xfrm>
-            <a:off x="4715838" y="4877873"/>
-            <a:ext cx="7274105" cy="1200329"/>
+            <a:off x="4826675" y="5533655"/>
+            <a:ext cx="7274105" cy="954107"/>
           </a:xfrm>
           <a:prstGeom prst="rect">
             <a:avLst/>
@@ -3886,34 +3960,55 @@
           <a:p>
             <a:pPr algn="r"/>
             <a:r>
-              <a:rPr lang="ru-RU" sz="3200" b="1" dirty="0"/>
+              <a:rPr lang="ru-RU" sz="2400" b="1" dirty="0">
+                <a:latin typeface="Times New Roman" panose="02020603050405020304" pitchFamily="18" charset="0"/>
+                <a:cs typeface="Times New Roman" panose="02020603050405020304" pitchFamily="18" charset="0"/>
+              </a:rPr>
               <a:t>Проверила</a:t>
             </a:r>
             <a:r>
-              <a:rPr lang="en-GB" sz="3200" b="1" dirty="0"/>
+              <a:rPr lang="en-GB" sz="2400" b="1" dirty="0">
+                <a:latin typeface="Times New Roman" panose="02020603050405020304" pitchFamily="18" charset="0"/>
+                <a:cs typeface="Times New Roman" panose="02020603050405020304" pitchFamily="18" charset="0"/>
+              </a:rPr>
               <a:t>:</a:t>
             </a:r>
-            <a:endParaRPr lang="ru-RU" sz="3200" b="1" dirty="0"/>
+            <a:endParaRPr lang="ru-RU" sz="2400" b="1" dirty="0">
+              <a:latin typeface="Times New Roman" panose="02020603050405020304" pitchFamily="18" charset="0"/>
+              <a:cs typeface="Times New Roman" panose="02020603050405020304" pitchFamily="18" charset="0"/>
+            </a:endParaRPr>
           </a:p>
           <a:p>
             <a:pPr algn="r"/>
             <a:r>
-              <a:rPr lang="en-GB" sz="2000" dirty="0"/>
+              <a:rPr lang="en-GB" sz="1600" dirty="0">
+                <a:latin typeface="Times New Roman" panose="02020603050405020304" pitchFamily="18" charset="0"/>
+                <a:cs typeface="Times New Roman" panose="02020603050405020304" pitchFamily="18" charset="0"/>
+              </a:rPr>
               <a:t> </a:t>
             </a:r>
             <a:r>
-              <a:rPr lang="ru-RU" sz="2000" dirty="0"/>
+              <a:rPr lang="ru-RU" sz="1600" dirty="0">
+                <a:latin typeface="Times New Roman" panose="02020603050405020304" pitchFamily="18" charset="0"/>
+                <a:cs typeface="Times New Roman" panose="02020603050405020304" pitchFamily="18" charset="0"/>
+              </a:rPr>
               <a:t>заведующая кафедры прикладной информатики и инноватики</a:t>
             </a:r>
           </a:p>
           <a:p>
             <a:pPr algn="r"/>
             <a:r>
-              <a:rPr lang="ru-RU" sz="2000" dirty="0" err="1"/>
+              <a:rPr lang="ru-RU" sz="1600" dirty="0" err="1">
+                <a:latin typeface="Times New Roman" panose="02020603050405020304" pitchFamily="18" charset="0"/>
+                <a:cs typeface="Times New Roman" panose="02020603050405020304" pitchFamily="18" charset="0"/>
+              </a:rPr>
               <a:t>Глод</a:t>
             </a:r>
             <a:r>
-              <a:rPr lang="ru-RU" sz="2000" dirty="0"/>
+              <a:rPr lang="ru-RU" sz="1600" dirty="0">
+                <a:latin typeface="Times New Roman" panose="02020603050405020304" pitchFamily="18" charset="0"/>
+                <a:cs typeface="Times New Roman" panose="02020603050405020304" pitchFamily="18" charset="0"/>
+              </a:rPr>
               <a:t> О.Д.</a:t>
             </a:r>
           </a:p>
@@ -3933,8 +4028,8 @@
         </p:nvSpPr>
         <p:spPr>
           <a:xfrm>
-            <a:off x="5080571" y="518248"/>
-            <a:ext cx="6544638" cy="1446550"/>
+            <a:off x="2500510" y="3132310"/>
+            <a:ext cx="6544638" cy="1323439"/>
           </a:xfrm>
           <a:prstGeom prst="rect">
             <a:avLst/>
@@ -3947,30 +4042,24 @@
           </a:bodyPr>
           <a:lstStyle/>
           <a:p>
-            <a:r>
-              <a:rPr lang="ru-RU" sz="4400" dirty="0"/>
+            <a:pPr algn="ctr"/>
+            <a:r>
+              <a:rPr lang="ru-RU" sz="4000" dirty="0">
+                <a:latin typeface="Times New Roman" panose="02020603050405020304" pitchFamily="18" charset="0"/>
+                <a:cs typeface="Times New Roman" panose="02020603050405020304" pitchFamily="18" charset="0"/>
+              </a:rPr>
               <a:t>Проект</a:t>
             </a:r>
-            <a:r>
-              <a:rPr lang="en-GB" sz="4400" dirty="0"/>
-              <a:t>:</a:t>
-            </a:r>
-            <a:endParaRPr lang="ru-RU" sz="4400" dirty="0"/>
-          </a:p>
-          <a:p>
-            <a:r>
-              <a:rPr lang="en-GB" sz="4400" dirty="0"/>
-              <a:t>“</a:t>
-            </a:r>
-            <a:r>
-              <a:rPr lang="ru-RU" sz="4400" dirty="0"/>
-              <a:t>Уголок студента</a:t>
-            </a:r>
-            <a:r>
-              <a:rPr lang="en-GB" sz="4400" dirty="0"/>
-              <a:t>”</a:t>
-            </a:r>
-            <a:endParaRPr lang="ru-RU" sz="4400" dirty="0"/>
+          </a:p>
+          <a:p>
+            <a:pPr algn="ctr"/>
+            <a:r>
+              <a:rPr lang="ru-RU" sz="4000" dirty="0">
+                <a:latin typeface="Times New Roman" panose="02020603050405020304" pitchFamily="18" charset="0"/>
+                <a:cs typeface="Times New Roman" panose="02020603050405020304" pitchFamily="18" charset="0"/>
+              </a:rPr>
+              <a:t>«Уголок студента»</a:t>
+            </a:r>
           </a:p>
         </p:txBody>
       </p:sp>
@@ -3988,8 +4077,8 @@
         </p:nvSpPr>
         <p:spPr>
           <a:xfrm>
-            <a:off x="390418" y="3797222"/>
-            <a:ext cx="3780889" cy="1200329"/>
+            <a:off x="3599741" y="493063"/>
+            <a:ext cx="4346177" cy="1200329"/>
           </a:xfrm>
           <a:prstGeom prst="rect">
             <a:avLst/>
@@ -4040,6 +4129,42 @@
           </a:p>
         </p:txBody>
       </p:sp>
+      <p:cxnSp>
+        <p:nvCxnSpPr>
+          <p:cNvPr id="6" name="Прямая соединительная линия 5">
+            <a:extLst>
+              <a:ext uri="{FF2B5EF4-FFF2-40B4-BE49-F238E27FC236}">
+                <a16:creationId xmlns:a16="http://schemas.microsoft.com/office/drawing/2014/main" id="{DB07F76F-04A0-49E9-AD72-061CEDCF9310}"/>
+              </a:ext>
+            </a:extLst>
+          </p:cNvPr>
+          <p:cNvCxnSpPr/>
+          <p:nvPr/>
+        </p:nvCxnSpPr>
+        <p:spPr>
+          <a:xfrm>
+            <a:off x="0" y="3048164"/>
+            <a:ext cx="12192000" cy="0"/>
+          </a:xfrm>
+          <a:prstGeom prst="line">
+            <a:avLst/>
+          </a:prstGeom>
+        </p:spPr>
+        <p:style>
+          <a:lnRef idx="1">
+            <a:schemeClr val="accent1"/>
+          </a:lnRef>
+          <a:fillRef idx="0">
+            <a:schemeClr val="accent1"/>
+          </a:fillRef>
+          <a:effectRef idx="0">
+            <a:schemeClr val="accent1"/>
+          </a:effectRef>
+          <a:fontRef idx="minor">
+            <a:schemeClr val="tx1"/>
+          </a:fontRef>
+        </p:style>
+      </p:cxnSp>
     </p:spTree>
     <p:extLst>
       <p:ext uri="{BB962C8B-B14F-4D97-AF65-F5344CB8AC3E}">
